--- a/Slides/Clase_6_2020.pptx
+++ b/Slides/Clase_6_2020.pptx
@@ -5,7 +5,7 @@
     <p:sldMasterId id="2147483657" r:id="rId1"/>
   </p:sldMasterIdLst>
   <p:notesMasterIdLst>
-    <p:notesMasterId r:id="rId17"/>
+    <p:notesMasterId r:id="rId18"/>
   </p:notesMasterIdLst>
   <p:sldIdLst>
     <p:sldId id="256" r:id="rId2"/>
@@ -23,34 +23,35 @@
     <p:sldId id="358" r:id="rId14"/>
     <p:sldId id="359" r:id="rId15"/>
     <p:sldId id="360" r:id="rId16"/>
+    <p:sldId id="402" r:id="rId17"/>
   </p:sldIdLst>
   <p:sldSz cx="9144000" cy="5143500" type="screen16x9"/>
   <p:notesSz cx="6858000" cy="9144000"/>
   <p:embeddedFontLst>
     <p:embeddedFont>
       <p:font typeface="Arvo" panose="02000000000000000000" pitchFamily="2" charset="77"/>
-      <p:regular r:id="rId18"/>
-      <p:bold r:id="rId19"/>
-      <p:italic r:id="rId20"/>
-      <p:boldItalic r:id="rId21"/>
+      <p:regular r:id="rId19"/>
+      <p:bold r:id="rId20"/>
+      <p:italic r:id="rId21"/>
+      <p:boldItalic r:id="rId22"/>
     </p:embeddedFont>
     <p:embeddedFont>
       <p:font typeface="Cambria Math" panose="02040503050406030204" pitchFamily="18" charset="0"/>
-      <p:regular r:id="rId22"/>
+      <p:regular r:id="rId23"/>
     </p:embeddedFont>
     <p:embeddedFont>
       <p:font typeface="Roboto Condensed" panose="02000000000000000000" pitchFamily="2" charset="0"/>
-      <p:regular r:id="rId23"/>
-      <p:bold r:id="rId24"/>
-      <p:italic r:id="rId25"/>
-      <p:boldItalic r:id="rId26"/>
+      <p:regular r:id="rId24"/>
+      <p:bold r:id="rId25"/>
+      <p:italic r:id="rId26"/>
+      <p:boldItalic r:id="rId27"/>
     </p:embeddedFont>
     <p:embeddedFont>
       <p:font typeface="Roboto Condensed Light" panose="02000000000000000000" pitchFamily="2" charset="0"/>
-      <p:regular r:id="rId27"/>
-      <p:bold r:id="rId28"/>
-      <p:italic r:id="rId29"/>
-      <p:boldItalic r:id="rId30"/>
+      <p:regular r:id="rId28"/>
+      <p:bold r:id="rId29"/>
+      <p:italic r:id="rId30"/>
+      <p:boldItalic r:id="rId31"/>
     </p:embeddedFont>
   </p:embeddedFontLst>
   <p:defaultTextStyle>
@@ -6056,6 +6057,127 @@
 </p:sld>
 </file>
 
+<file path=ppt/slides/slide16.xml><?xml version="1.0" encoding="utf-8"?>
+<p:sld xmlns:a="http://schemas.openxmlformats.org/drawingml/2006/main" xmlns:r="http://schemas.openxmlformats.org/officeDocument/2006/relationships" xmlns:p="http://schemas.openxmlformats.org/presentationml/2006/main">
+  <p:cSld>
+    <p:spTree>
+      <p:nvGrpSpPr>
+        <p:cNvPr id="1" name=""/>
+        <p:cNvGrpSpPr/>
+        <p:nvPr/>
+      </p:nvGrpSpPr>
+      <p:grpSpPr>
+        <a:xfrm>
+          <a:off x="0" y="0"/>
+          <a:ext cx="0" cy="0"/>
+          <a:chOff x="0" y="0"/>
+          <a:chExt cx="0" cy="0"/>
+        </a:xfrm>
+      </p:grpSpPr>
+      <p:sp>
+        <p:nvSpPr>
+          <p:cNvPr id="2" name="Title 1">
+            <a:extLst>
+              <a:ext uri="{FF2B5EF4-FFF2-40B4-BE49-F238E27FC236}">
+                <a16:creationId xmlns:a16="http://schemas.microsoft.com/office/drawing/2014/main" id="{F8EDD133-4342-4142-8523-A36CC8633605}"/>
+              </a:ext>
+            </a:extLst>
+          </p:cNvPr>
+          <p:cNvSpPr>
+            <a:spLocks noGrp="1"/>
+          </p:cNvSpPr>
+          <p:nvPr>
+            <p:ph type="title"/>
+          </p:nvPr>
+        </p:nvSpPr>
+        <p:spPr/>
+        <p:txBody>
+          <a:bodyPr/>
+          <a:lstStyle/>
+          <a:p>
+            <a:endParaRPr lang="en-MX"/>
+          </a:p>
+        </p:txBody>
+      </p:sp>
+      <p:sp>
+        <p:nvSpPr>
+          <p:cNvPr id="3" name="Text Placeholder 2">
+            <a:extLst>
+              <a:ext uri="{FF2B5EF4-FFF2-40B4-BE49-F238E27FC236}">
+                <a16:creationId xmlns:a16="http://schemas.microsoft.com/office/drawing/2014/main" id="{C35842E8-D0DE-0045-A1C9-7D956EE2157E}"/>
+              </a:ext>
+            </a:extLst>
+          </p:cNvPr>
+          <p:cNvSpPr>
+            <a:spLocks noGrp="1"/>
+          </p:cNvSpPr>
+          <p:nvPr>
+            <p:ph type="body" idx="1"/>
+          </p:nvPr>
+        </p:nvSpPr>
+        <p:spPr/>
+        <p:txBody>
+          <a:bodyPr/>
+          <a:lstStyle/>
+          <a:p>
+            <a:r>
+              <a:rPr lang="en-MX" dirty="0"/>
+              <a:t>LEAKAGE</a:t>
+            </a:r>
+          </a:p>
+        </p:txBody>
+      </p:sp>
+      <p:sp>
+        <p:nvSpPr>
+          <p:cNvPr id="4" name="Slide Number Placeholder 3">
+            <a:extLst>
+              <a:ext uri="{FF2B5EF4-FFF2-40B4-BE49-F238E27FC236}">
+                <a16:creationId xmlns:a16="http://schemas.microsoft.com/office/drawing/2014/main" id="{FDFF6BC7-4DE1-7440-A67C-8BC0D176D513}"/>
+              </a:ext>
+            </a:extLst>
+          </p:cNvPr>
+          <p:cNvSpPr>
+            <a:spLocks noGrp="1"/>
+          </p:cNvSpPr>
+          <p:nvPr>
+            <p:ph type="sldNum" idx="12"/>
+          </p:nvPr>
+        </p:nvSpPr>
+        <p:spPr/>
+        <p:txBody>
+          <a:bodyPr/>
+          <a:lstStyle/>
+          <a:p>
+            <a:pPr marL="0" lvl="0" indent="0">
+              <a:spcBef>
+                <a:spcPts val="0"/>
+              </a:spcBef>
+              <a:spcAft>
+                <a:spcPts val="0"/>
+              </a:spcAft>
+              <a:buNone/>
+            </a:pPr>
+            <a:fld id="{00000000-1234-1234-1234-123412341234}" type="slidenum">
+              <a:rPr lang="en" smtClean="0"/>
+              <a:t>16</a:t>
+            </a:fld>
+            <a:endParaRPr lang="en"/>
+          </a:p>
+        </p:txBody>
+      </p:sp>
+    </p:spTree>
+    <p:extLst>
+      <p:ext uri="{BB962C8B-B14F-4D97-AF65-F5344CB8AC3E}">
+        <p14:creationId xmlns:p14="http://schemas.microsoft.com/office/powerpoint/2010/main" val="1454264384"/>
+      </p:ext>
+    </p:extLst>
+  </p:cSld>
+  <p:clrMapOvr>
+    <a:masterClrMapping/>
+  </p:clrMapOvr>
+</p:sld>
+</file>
+
 <file path=ppt/slides/slide2.xml><?xml version="1.0" encoding="utf-8"?>
 <p:sld xmlns:a="http://schemas.openxmlformats.org/drawingml/2006/main" xmlns:r="http://schemas.openxmlformats.org/officeDocument/2006/relationships" xmlns:p="http://schemas.openxmlformats.org/presentationml/2006/main">
   <p:cSld>

--- a/Slides/Clase_6_2020.pptx
+++ b/Slides/Clase_6_2020.pptx
@@ -5,7 +5,7 @@
     <p:sldMasterId id="2147483657" r:id="rId1"/>
   </p:sldMasterIdLst>
   <p:notesMasterIdLst>
-    <p:notesMasterId r:id="rId18"/>
+    <p:notesMasterId r:id="rId23"/>
   </p:notesMasterIdLst>
   <p:sldIdLst>
     <p:sldId id="256" r:id="rId2"/>
@@ -24,34 +24,39 @@
     <p:sldId id="359" r:id="rId15"/>
     <p:sldId id="360" r:id="rId16"/>
     <p:sldId id="402" r:id="rId17"/>
+    <p:sldId id="403" r:id="rId18"/>
+    <p:sldId id="404" r:id="rId19"/>
+    <p:sldId id="405" r:id="rId20"/>
+    <p:sldId id="406" r:id="rId21"/>
+    <p:sldId id="407" r:id="rId22"/>
   </p:sldIdLst>
   <p:sldSz cx="9144000" cy="5143500" type="screen16x9"/>
   <p:notesSz cx="6858000" cy="9144000"/>
   <p:embeddedFontLst>
     <p:embeddedFont>
-      <p:font typeface="Arvo" panose="02000000000000000000" pitchFamily="2" charset="77"/>
-      <p:regular r:id="rId19"/>
-      <p:bold r:id="rId20"/>
-      <p:italic r:id="rId21"/>
-      <p:boldItalic r:id="rId22"/>
-    </p:embeddedFont>
-    <p:embeddedFont>
-      <p:font typeface="Cambria Math" panose="02040503050406030204" pitchFamily="18" charset="0"/>
-      <p:regular r:id="rId23"/>
-    </p:embeddedFont>
-    <p:embeddedFont>
-      <p:font typeface="Roboto Condensed" panose="02000000000000000000" pitchFamily="2" charset="0"/>
+      <p:font typeface="Arvo" panose="020B0604020202020204" charset="0"/>
       <p:regular r:id="rId24"/>
       <p:bold r:id="rId25"/>
       <p:italic r:id="rId26"/>
       <p:boldItalic r:id="rId27"/>
     </p:embeddedFont>
     <p:embeddedFont>
-      <p:font typeface="Roboto Condensed Light" panose="02000000000000000000" pitchFamily="2" charset="0"/>
+      <p:font typeface="Cambria Math" panose="02040503050406030204" pitchFamily="18" charset="0"/>
       <p:regular r:id="rId28"/>
-      <p:bold r:id="rId29"/>
-      <p:italic r:id="rId30"/>
-      <p:boldItalic r:id="rId31"/>
+    </p:embeddedFont>
+    <p:embeddedFont>
+      <p:font typeface="Roboto Condensed" panose="020B0604020202020204" charset="0"/>
+      <p:regular r:id="rId29"/>
+      <p:bold r:id="rId30"/>
+      <p:italic r:id="rId31"/>
+      <p:boldItalic r:id="rId32"/>
+    </p:embeddedFont>
+    <p:embeddedFont>
+      <p:font typeface="Roboto Condensed Light" panose="020B0604020202020204" charset="0"/>
+      <p:regular r:id="rId33"/>
+      <p:bold r:id="rId34"/>
+      <p:italic r:id="rId35"/>
+      <p:boldItalic r:id="rId36"/>
     </p:embeddedFont>
   </p:embeddedFontLst>
   <p:defaultTextStyle>
@@ -6095,7 +6100,11 @@
           <a:bodyPr/>
           <a:lstStyle/>
           <a:p>
-            <a:endParaRPr lang="en-MX"/>
+            <a:r>
+              <a:rPr lang="es-MX" dirty="0"/>
+              <a:t>Conceptos Importantes</a:t>
+            </a:r>
+            <a:endParaRPr lang="en-MX" dirty="0"/>
           </a:p>
         </p:txBody>
       </p:sp>
@@ -6121,9 +6130,28 @@
           <a:lstStyle/>
           <a:p>
             <a:r>
-              <a:rPr lang="en-MX" dirty="0"/>
-              <a:t>LEAKAGE</a:t>
-            </a:r>
+              <a:rPr lang="es-MX" dirty="0" err="1"/>
+              <a:t>Leakage</a:t>
+            </a:r>
+            <a:endParaRPr lang="es-MX" dirty="0"/>
+          </a:p>
+          <a:p>
+            <a:r>
+              <a:rPr lang="es-MX" dirty="0" err="1"/>
+              <a:t>Missing</a:t>
+            </a:r>
+            <a:r>
+              <a:rPr lang="es-MX" dirty="0"/>
+              <a:t> Data </a:t>
+            </a:r>
+            <a:r>
+              <a:rPr lang="es-MX" dirty="0" err="1"/>
+              <a:t>Bias</a:t>
+            </a:r>
+            <a:endParaRPr lang="es-MX" dirty="0"/>
+          </a:p>
+          <a:p>
+            <a:endParaRPr lang="en-MX" dirty="0"/>
           </a:p>
         </p:txBody>
       </p:sp>
@@ -6169,6 +6197,1083 @@
     <p:extLst>
       <p:ext uri="{BB962C8B-B14F-4D97-AF65-F5344CB8AC3E}">
         <p14:creationId xmlns:p14="http://schemas.microsoft.com/office/powerpoint/2010/main" val="1454264384"/>
+      </p:ext>
+    </p:extLst>
+  </p:cSld>
+  <p:clrMapOvr>
+    <a:masterClrMapping/>
+  </p:clrMapOvr>
+</p:sld>
+</file>
+
+<file path=ppt/slides/slide17.xml><?xml version="1.0" encoding="utf-8"?>
+<p:sld xmlns:a="http://schemas.openxmlformats.org/drawingml/2006/main" xmlns:r="http://schemas.openxmlformats.org/officeDocument/2006/relationships" xmlns:p="http://schemas.openxmlformats.org/presentationml/2006/main">
+  <p:cSld>
+    <p:spTree>
+      <p:nvGrpSpPr>
+        <p:cNvPr id="1" name=""/>
+        <p:cNvGrpSpPr/>
+        <p:nvPr/>
+      </p:nvGrpSpPr>
+      <p:grpSpPr>
+        <a:xfrm>
+          <a:off x="0" y="0"/>
+          <a:ext cx="0" cy="0"/>
+          <a:chOff x="0" y="0"/>
+          <a:chExt cx="0" cy="0"/>
+        </a:xfrm>
+      </p:grpSpPr>
+      <p:sp>
+        <p:nvSpPr>
+          <p:cNvPr id="2" name="Title 1">
+            <a:extLst>
+              <a:ext uri="{FF2B5EF4-FFF2-40B4-BE49-F238E27FC236}">
+                <a16:creationId xmlns:a16="http://schemas.microsoft.com/office/drawing/2014/main" id="{231402CF-1713-40FC-9B66-DEDA233A8EFD}"/>
+              </a:ext>
+            </a:extLst>
+          </p:cNvPr>
+          <p:cNvSpPr>
+            <a:spLocks noGrp="1"/>
+          </p:cNvSpPr>
+          <p:nvPr>
+            <p:ph type="title"/>
+          </p:nvPr>
+        </p:nvSpPr>
+        <p:spPr/>
+        <p:txBody>
+          <a:bodyPr/>
+          <a:lstStyle/>
+          <a:p>
+            <a:r>
+              <a:rPr lang="es-MX" dirty="0" err="1"/>
+              <a:t>Leakage</a:t>
+            </a:r>
+            <a:endParaRPr lang="en-US" dirty="0"/>
+          </a:p>
+        </p:txBody>
+      </p:sp>
+      <p:sp>
+        <p:nvSpPr>
+          <p:cNvPr id="4" name="Slide Number Placeholder 3">
+            <a:extLst>
+              <a:ext uri="{FF2B5EF4-FFF2-40B4-BE49-F238E27FC236}">
+                <a16:creationId xmlns:a16="http://schemas.microsoft.com/office/drawing/2014/main" id="{038106B9-EFA0-4897-8017-0CD1C8AD60B6}"/>
+              </a:ext>
+            </a:extLst>
+          </p:cNvPr>
+          <p:cNvSpPr>
+            <a:spLocks noGrp="1"/>
+          </p:cNvSpPr>
+          <p:nvPr>
+            <p:ph type="sldNum" idx="12"/>
+          </p:nvPr>
+        </p:nvSpPr>
+        <p:spPr/>
+        <p:txBody>
+          <a:bodyPr/>
+          <a:lstStyle/>
+          <a:p>
+            <a:pPr marL="0" lvl="0" indent="0">
+              <a:spcBef>
+                <a:spcPts val="0"/>
+              </a:spcBef>
+              <a:spcAft>
+                <a:spcPts val="0"/>
+              </a:spcAft>
+              <a:buNone/>
+            </a:pPr>
+            <a:fld id="{00000000-1234-1234-1234-123412341234}" type="slidenum">
+              <a:rPr lang="en" smtClean="0"/>
+              <a:t>17</a:t>
+            </a:fld>
+            <a:endParaRPr lang="en"/>
+          </a:p>
+        </p:txBody>
+      </p:sp>
+      <p:sp>
+        <p:nvSpPr>
+          <p:cNvPr id="5" name="Rectangle 4">
+            <a:extLst>
+              <a:ext uri="{FF2B5EF4-FFF2-40B4-BE49-F238E27FC236}">
+                <a16:creationId xmlns:a16="http://schemas.microsoft.com/office/drawing/2014/main" id="{6D05AFCC-AD5A-49ED-AE7E-75083479F623}"/>
+              </a:ext>
+            </a:extLst>
+          </p:cNvPr>
+          <p:cNvSpPr/>
+          <p:nvPr/>
+        </p:nvSpPr>
+        <p:spPr>
+          <a:xfrm>
+            <a:off x="5538998" y="2539549"/>
+            <a:ext cx="2172712" cy="639271"/>
+          </a:xfrm>
+          <a:prstGeom prst="rect">
+            <a:avLst/>
+          </a:prstGeom>
+        </p:spPr>
+        <p:style>
+          <a:lnRef idx="2">
+            <a:schemeClr val="accent1">
+              <a:shade val="50000"/>
+            </a:schemeClr>
+          </a:lnRef>
+          <a:fillRef idx="1">
+            <a:schemeClr val="accent1"/>
+          </a:fillRef>
+          <a:effectRef idx="0">
+            <a:schemeClr val="accent1"/>
+          </a:effectRef>
+          <a:fontRef idx="minor">
+            <a:schemeClr val="lt1"/>
+          </a:fontRef>
+        </p:style>
+        <p:txBody>
+          <a:bodyPr rtlCol="0" anchor="ctr"/>
+          <a:lstStyle/>
+          <a:p>
+            <a:pPr algn="ctr"/>
+            <a:r>
+              <a:rPr lang="es-MX" dirty="0"/>
+              <a:t>Precio de Vivienda</a:t>
+            </a:r>
+            <a:endParaRPr lang="en-US" dirty="0"/>
+          </a:p>
+        </p:txBody>
+      </p:sp>
+      <p:sp>
+        <p:nvSpPr>
+          <p:cNvPr id="6" name="Rectangle 5">
+            <a:extLst>
+              <a:ext uri="{FF2B5EF4-FFF2-40B4-BE49-F238E27FC236}">
+                <a16:creationId xmlns:a16="http://schemas.microsoft.com/office/drawing/2014/main" id="{0B7321A5-22DC-4065-9DD7-E31C5403CF53}"/>
+              </a:ext>
+            </a:extLst>
+          </p:cNvPr>
+          <p:cNvSpPr/>
+          <p:nvPr/>
+        </p:nvSpPr>
+        <p:spPr>
+          <a:xfrm>
+            <a:off x="2725669" y="2539550"/>
+            <a:ext cx="2172712" cy="639271"/>
+          </a:xfrm>
+          <a:prstGeom prst="rect">
+            <a:avLst/>
+          </a:prstGeom>
+        </p:spPr>
+        <p:style>
+          <a:lnRef idx="2">
+            <a:schemeClr val="accent1">
+              <a:shade val="50000"/>
+            </a:schemeClr>
+          </a:lnRef>
+          <a:fillRef idx="1">
+            <a:schemeClr val="accent1"/>
+          </a:fillRef>
+          <a:effectRef idx="0">
+            <a:schemeClr val="accent1"/>
+          </a:effectRef>
+          <a:fontRef idx="minor">
+            <a:schemeClr val="lt1"/>
+          </a:fontRef>
+        </p:style>
+        <p:txBody>
+          <a:bodyPr rtlCol="0" anchor="ctr"/>
+          <a:lstStyle/>
+          <a:p>
+            <a:pPr algn="ctr"/>
+            <a:r>
+              <a:rPr lang="es-MX" dirty="0"/>
+              <a:t>#Cuartos</a:t>
+            </a:r>
+            <a:endParaRPr lang="en-US" dirty="0"/>
+          </a:p>
+        </p:txBody>
+      </p:sp>
+      <p:sp>
+        <p:nvSpPr>
+          <p:cNvPr id="7" name="Rectangle 6">
+            <a:extLst>
+              <a:ext uri="{FF2B5EF4-FFF2-40B4-BE49-F238E27FC236}">
+                <a16:creationId xmlns:a16="http://schemas.microsoft.com/office/drawing/2014/main" id="{D79B7C4A-DA96-4C2F-9B56-54E8B3DCB56E}"/>
+              </a:ext>
+            </a:extLst>
+          </p:cNvPr>
+          <p:cNvSpPr/>
+          <p:nvPr/>
+        </p:nvSpPr>
+        <p:spPr>
+          <a:xfrm>
+            <a:off x="1651430" y="2987310"/>
+            <a:ext cx="2172712" cy="639271"/>
+          </a:xfrm>
+          <a:prstGeom prst="rect">
+            <a:avLst/>
+          </a:prstGeom>
+        </p:spPr>
+        <p:style>
+          <a:lnRef idx="2">
+            <a:schemeClr val="accent1">
+              <a:shade val="50000"/>
+            </a:schemeClr>
+          </a:lnRef>
+          <a:fillRef idx="1">
+            <a:schemeClr val="accent1"/>
+          </a:fillRef>
+          <a:effectRef idx="0">
+            <a:schemeClr val="accent1"/>
+          </a:effectRef>
+          <a:fontRef idx="minor">
+            <a:schemeClr val="lt1"/>
+          </a:fontRef>
+        </p:style>
+        <p:txBody>
+          <a:bodyPr rtlCol="0" anchor="ctr"/>
+          <a:lstStyle/>
+          <a:p>
+            <a:pPr algn="ctr"/>
+            <a:r>
+              <a:rPr lang="es-MX" dirty="0"/>
+              <a:t>#Colonia</a:t>
+            </a:r>
+            <a:endParaRPr lang="en-US" dirty="0"/>
+          </a:p>
+        </p:txBody>
+      </p:sp>
+      <p:sp>
+        <p:nvSpPr>
+          <p:cNvPr id="8" name="Rectangle 7">
+            <a:extLst>
+              <a:ext uri="{FF2B5EF4-FFF2-40B4-BE49-F238E27FC236}">
+                <a16:creationId xmlns:a16="http://schemas.microsoft.com/office/drawing/2014/main" id="{14C30BF1-A92F-4A9B-AA81-A833C7A67DFB}"/>
+              </a:ext>
+            </a:extLst>
+          </p:cNvPr>
+          <p:cNvSpPr/>
+          <p:nvPr/>
+        </p:nvSpPr>
+        <p:spPr>
+          <a:xfrm>
+            <a:off x="456506" y="3552404"/>
+            <a:ext cx="2172712" cy="639271"/>
+          </a:xfrm>
+          <a:prstGeom prst="rect">
+            <a:avLst/>
+          </a:prstGeom>
+        </p:spPr>
+        <p:style>
+          <a:lnRef idx="2">
+            <a:schemeClr val="accent1">
+              <a:shade val="50000"/>
+            </a:schemeClr>
+          </a:lnRef>
+          <a:fillRef idx="1">
+            <a:schemeClr val="accent1"/>
+          </a:fillRef>
+          <a:effectRef idx="0">
+            <a:schemeClr val="accent1"/>
+          </a:effectRef>
+          <a:fontRef idx="minor">
+            <a:schemeClr val="lt1"/>
+          </a:fontRef>
+        </p:style>
+        <p:txBody>
+          <a:bodyPr rtlCol="0" anchor="ctr"/>
+          <a:lstStyle/>
+          <a:p>
+            <a:pPr algn="ctr"/>
+            <a:r>
+              <a:rPr lang="es-MX" dirty="0"/>
+              <a:t>Valor del Predial</a:t>
+            </a:r>
+            <a:endParaRPr lang="en-US" dirty="0"/>
+          </a:p>
+        </p:txBody>
+      </p:sp>
+      <p:cxnSp>
+        <p:nvCxnSpPr>
+          <p:cNvPr id="10" name="Straight Arrow Connector 9">
+            <a:extLst>
+              <a:ext uri="{FF2B5EF4-FFF2-40B4-BE49-F238E27FC236}">
+                <a16:creationId xmlns:a16="http://schemas.microsoft.com/office/drawing/2014/main" id="{52D800FB-E339-4697-A2A5-1303B442E993}"/>
+              </a:ext>
+            </a:extLst>
+          </p:cNvPr>
+          <p:cNvCxnSpPr>
+            <a:stCxn id="6" idx="3"/>
+            <a:endCxn id="5" idx="1"/>
+          </p:cNvCxnSpPr>
+          <p:nvPr/>
+        </p:nvCxnSpPr>
+        <p:spPr>
+          <a:xfrm flipV="1">
+            <a:off x="4898381" y="2859185"/>
+            <a:ext cx="640617" cy="1"/>
+          </a:xfrm>
+          <a:prstGeom prst="straightConnector1">
+            <a:avLst/>
+          </a:prstGeom>
+          <a:ln>
+            <a:tailEnd type="triangle"/>
+          </a:ln>
+        </p:spPr>
+        <p:style>
+          <a:lnRef idx="1">
+            <a:schemeClr val="accent1"/>
+          </a:lnRef>
+          <a:fillRef idx="0">
+            <a:schemeClr val="accent1"/>
+          </a:fillRef>
+          <a:effectRef idx="0">
+            <a:schemeClr val="accent1"/>
+          </a:effectRef>
+          <a:fontRef idx="minor">
+            <a:schemeClr val="tx1"/>
+          </a:fontRef>
+        </p:style>
+      </p:cxnSp>
+    </p:spTree>
+    <p:extLst>
+      <p:ext uri="{BB962C8B-B14F-4D97-AF65-F5344CB8AC3E}">
+        <p14:creationId xmlns:p14="http://schemas.microsoft.com/office/powerpoint/2010/main" val="3474083227"/>
+      </p:ext>
+    </p:extLst>
+  </p:cSld>
+  <p:clrMapOvr>
+    <a:masterClrMapping/>
+  </p:clrMapOvr>
+</p:sld>
+</file>
+
+<file path=ppt/slides/slide18.xml><?xml version="1.0" encoding="utf-8"?>
+<p:sld xmlns:a="http://schemas.openxmlformats.org/drawingml/2006/main" xmlns:r="http://schemas.openxmlformats.org/officeDocument/2006/relationships" xmlns:p="http://schemas.openxmlformats.org/presentationml/2006/main">
+  <p:cSld>
+    <p:spTree>
+      <p:nvGrpSpPr>
+        <p:cNvPr id="1" name=""/>
+        <p:cNvGrpSpPr/>
+        <p:nvPr/>
+      </p:nvGrpSpPr>
+      <p:grpSpPr>
+        <a:xfrm>
+          <a:off x="0" y="0"/>
+          <a:ext cx="0" cy="0"/>
+          <a:chOff x="0" y="0"/>
+          <a:chExt cx="0" cy="0"/>
+        </a:xfrm>
+      </p:grpSpPr>
+      <p:sp>
+        <p:nvSpPr>
+          <p:cNvPr id="2" name="Title 1">
+            <a:extLst>
+              <a:ext uri="{FF2B5EF4-FFF2-40B4-BE49-F238E27FC236}">
+                <a16:creationId xmlns:a16="http://schemas.microsoft.com/office/drawing/2014/main" id="{231402CF-1713-40FC-9B66-DEDA233A8EFD}"/>
+              </a:ext>
+            </a:extLst>
+          </p:cNvPr>
+          <p:cNvSpPr>
+            <a:spLocks noGrp="1"/>
+          </p:cNvSpPr>
+          <p:nvPr>
+            <p:ph type="title"/>
+          </p:nvPr>
+        </p:nvSpPr>
+        <p:spPr/>
+        <p:txBody>
+          <a:bodyPr/>
+          <a:lstStyle/>
+          <a:p>
+            <a:r>
+              <a:rPr lang="es-MX" dirty="0" err="1"/>
+              <a:t>Leakage</a:t>
+            </a:r>
+            <a:endParaRPr lang="en-US" dirty="0"/>
+          </a:p>
+        </p:txBody>
+      </p:sp>
+      <p:sp>
+        <p:nvSpPr>
+          <p:cNvPr id="4" name="Slide Number Placeholder 3">
+            <a:extLst>
+              <a:ext uri="{FF2B5EF4-FFF2-40B4-BE49-F238E27FC236}">
+                <a16:creationId xmlns:a16="http://schemas.microsoft.com/office/drawing/2014/main" id="{038106B9-EFA0-4897-8017-0CD1C8AD60B6}"/>
+              </a:ext>
+            </a:extLst>
+          </p:cNvPr>
+          <p:cNvSpPr>
+            <a:spLocks noGrp="1"/>
+          </p:cNvSpPr>
+          <p:nvPr>
+            <p:ph type="sldNum" idx="12"/>
+          </p:nvPr>
+        </p:nvSpPr>
+        <p:spPr/>
+        <p:txBody>
+          <a:bodyPr/>
+          <a:lstStyle/>
+          <a:p>
+            <a:pPr marL="0" lvl="0" indent="0">
+              <a:spcBef>
+                <a:spcPts val="0"/>
+              </a:spcBef>
+              <a:spcAft>
+                <a:spcPts val="0"/>
+              </a:spcAft>
+              <a:buNone/>
+            </a:pPr>
+            <a:fld id="{00000000-1234-1234-1234-123412341234}" type="slidenum">
+              <a:rPr lang="en" smtClean="0"/>
+              <a:t>18</a:t>
+            </a:fld>
+            <a:endParaRPr lang="en"/>
+          </a:p>
+        </p:txBody>
+      </p:sp>
+      <p:sp>
+        <p:nvSpPr>
+          <p:cNvPr id="5" name="Rectangle 4">
+            <a:extLst>
+              <a:ext uri="{FF2B5EF4-FFF2-40B4-BE49-F238E27FC236}">
+                <a16:creationId xmlns:a16="http://schemas.microsoft.com/office/drawing/2014/main" id="{6D05AFCC-AD5A-49ED-AE7E-75083479F623}"/>
+              </a:ext>
+            </a:extLst>
+          </p:cNvPr>
+          <p:cNvSpPr/>
+          <p:nvPr/>
+        </p:nvSpPr>
+        <p:spPr>
+          <a:xfrm>
+            <a:off x="5538998" y="2539549"/>
+            <a:ext cx="2172712" cy="639271"/>
+          </a:xfrm>
+          <a:prstGeom prst="rect">
+            <a:avLst/>
+          </a:prstGeom>
+        </p:spPr>
+        <p:style>
+          <a:lnRef idx="2">
+            <a:schemeClr val="accent1">
+              <a:shade val="50000"/>
+            </a:schemeClr>
+          </a:lnRef>
+          <a:fillRef idx="1">
+            <a:schemeClr val="accent1"/>
+          </a:fillRef>
+          <a:effectRef idx="0">
+            <a:schemeClr val="accent1"/>
+          </a:effectRef>
+          <a:fontRef idx="minor">
+            <a:schemeClr val="lt1"/>
+          </a:fontRef>
+        </p:style>
+        <p:txBody>
+          <a:bodyPr rtlCol="0" anchor="ctr"/>
+          <a:lstStyle/>
+          <a:p>
+            <a:pPr algn="ctr"/>
+            <a:r>
+              <a:rPr lang="es-MX" dirty="0"/>
+              <a:t>Precio de Vivienda</a:t>
+            </a:r>
+            <a:endParaRPr lang="en-US" dirty="0"/>
+          </a:p>
+        </p:txBody>
+      </p:sp>
+      <p:sp>
+        <p:nvSpPr>
+          <p:cNvPr id="6" name="Rectangle 5">
+            <a:extLst>
+              <a:ext uri="{FF2B5EF4-FFF2-40B4-BE49-F238E27FC236}">
+                <a16:creationId xmlns:a16="http://schemas.microsoft.com/office/drawing/2014/main" id="{0B7321A5-22DC-4065-9DD7-E31C5403CF53}"/>
+              </a:ext>
+            </a:extLst>
+          </p:cNvPr>
+          <p:cNvSpPr/>
+          <p:nvPr/>
+        </p:nvSpPr>
+        <p:spPr>
+          <a:xfrm>
+            <a:off x="2725669" y="2539550"/>
+            <a:ext cx="2172712" cy="639271"/>
+          </a:xfrm>
+          <a:prstGeom prst="rect">
+            <a:avLst/>
+          </a:prstGeom>
+        </p:spPr>
+        <p:style>
+          <a:lnRef idx="2">
+            <a:schemeClr val="accent1">
+              <a:shade val="50000"/>
+            </a:schemeClr>
+          </a:lnRef>
+          <a:fillRef idx="1">
+            <a:schemeClr val="accent1"/>
+          </a:fillRef>
+          <a:effectRef idx="0">
+            <a:schemeClr val="accent1"/>
+          </a:effectRef>
+          <a:fontRef idx="minor">
+            <a:schemeClr val="lt1"/>
+          </a:fontRef>
+        </p:style>
+        <p:txBody>
+          <a:bodyPr rtlCol="0" anchor="ctr"/>
+          <a:lstStyle/>
+          <a:p>
+            <a:pPr algn="ctr"/>
+            <a:r>
+              <a:rPr lang="es-MX" dirty="0"/>
+              <a:t>#Cuartos</a:t>
+            </a:r>
+            <a:endParaRPr lang="en-US" dirty="0"/>
+          </a:p>
+        </p:txBody>
+      </p:sp>
+      <p:sp>
+        <p:nvSpPr>
+          <p:cNvPr id="7" name="Rectangle 6">
+            <a:extLst>
+              <a:ext uri="{FF2B5EF4-FFF2-40B4-BE49-F238E27FC236}">
+                <a16:creationId xmlns:a16="http://schemas.microsoft.com/office/drawing/2014/main" id="{D79B7C4A-DA96-4C2F-9B56-54E8B3DCB56E}"/>
+              </a:ext>
+            </a:extLst>
+          </p:cNvPr>
+          <p:cNvSpPr/>
+          <p:nvPr/>
+        </p:nvSpPr>
+        <p:spPr>
+          <a:xfrm>
+            <a:off x="1651430" y="2987310"/>
+            <a:ext cx="2172712" cy="639271"/>
+          </a:xfrm>
+          <a:prstGeom prst="rect">
+            <a:avLst/>
+          </a:prstGeom>
+        </p:spPr>
+        <p:style>
+          <a:lnRef idx="2">
+            <a:schemeClr val="accent1">
+              <a:shade val="50000"/>
+            </a:schemeClr>
+          </a:lnRef>
+          <a:fillRef idx="1">
+            <a:schemeClr val="accent1"/>
+          </a:fillRef>
+          <a:effectRef idx="0">
+            <a:schemeClr val="accent1"/>
+          </a:effectRef>
+          <a:fontRef idx="minor">
+            <a:schemeClr val="lt1"/>
+          </a:fontRef>
+        </p:style>
+        <p:txBody>
+          <a:bodyPr rtlCol="0" anchor="ctr"/>
+          <a:lstStyle/>
+          <a:p>
+            <a:pPr algn="ctr"/>
+            <a:r>
+              <a:rPr lang="es-MX" dirty="0"/>
+              <a:t>#Colonia</a:t>
+            </a:r>
+            <a:endParaRPr lang="en-US" dirty="0"/>
+          </a:p>
+        </p:txBody>
+      </p:sp>
+      <p:sp>
+        <p:nvSpPr>
+          <p:cNvPr id="8" name="Rectangle 7">
+            <a:extLst>
+              <a:ext uri="{FF2B5EF4-FFF2-40B4-BE49-F238E27FC236}">
+                <a16:creationId xmlns:a16="http://schemas.microsoft.com/office/drawing/2014/main" id="{14C30BF1-A92F-4A9B-AA81-A833C7A67DFB}"/>
+              </a:ext>
+            </a:extLst>
+          </p:cNvPr>
+          <p:cNvSpPr/>
+          <p:nvPr/>
+        </p:nvSpPr>
+        <p:spPr>
+          <a:xfrm>
+            <a:off x="456506" y="3552404"/>
+            <a:ext cx="2172712" cy="639271"/>
+          </a:xfrm>
+          <a:prstGeom prst="rect">
+            <a:avLst/>
+          </a:prstGeom>
+        </p:spPr>
+        <p:style>
+          <a:lnRef idx="2">
+            <a:schemeClr val="accent1">
+              <a:shade val="50000"/>
+            </a:schemeClr>
+          </a:lnRef>
+          <a:fillRef idx="1">
+            <a:schemeClr val="accent1"/>
+          </a:fillRef>
+          <a:effectRef idx="0">
+            <a:schemeClr val="accent1"/>
+          </a:effectRef>
+          <a:fontRef idx="minor">
+            <a:schemeClr val="lt1"/>
+          </a:fontRef>
+        </p:style>
+        <p:txBody>
+          <a:bodyPr rtlCol="0" anchor="ctr"/>
+          <a:lstStyle/>
+          <a:p>
+            <a:pPr algn="ctr"/>
+            <a:r>
+              <a:rPr lang="es-MX" dirty="0"/>
+              <a:t>Valor del Predial</a:t>
+            </a:r>
+            <a:endParaRPr lang="en-US" dirty="0"/>
+          </a:p>
+        </p:txBody>
+      </p:sp>
+      <p:cxnSp>
+        <p:nvCxnSpPr>
+          <p:cNvPr id="10" name="Straight Arrow Connector 9">
+            <a:extLst>
+              <a:ext uri="{FF2B5EF4-FFF2-40B4-BE49-F238E27FC236}">
+                <a16:creationId xmlns:a16="http://schemas.microsoft.com/office/drawing/2014/main" id="{52D800FB-E339-4697-A2A5-1303B442E993}"/>
+              </a:ext>
+            </a:extLst>
+          </p:cNvPr>
+          <p:cNvCxnSpPr>
+            <a:stCxn id="6" idx="3"/>
+            <a:endCxn id="5" idx="1"/>
+          </p:cNvCxnSpPr>
+          <p:nvPr/>
+        </p:nvCxnSpPr>
+        <p:spPr>
+          <a:xfrm flipV="1">
+            <a:off x="4898381" y="2859185"/>
+            <a:ext cx="640617" cy="1"/>
+          </a:xfrm>
+          <a:prstGeom prst="straightConnector1">
+            <a:avLst/>
+          </a:prstGeom>
+          <a:ln>
+            <a:tailEnd type="triangle"/>
+          </a:ln>
+        </p:spPr>
+        <p:style>
+          <a:lnRef idx="1">
+            <a:schemeClr val="accent1"/>
+          </a:lnRef>
+          <a:fillRef idx="0">
+            <a:schemeClr val="accent1"/>
+          </a:fillRef>
+          <a:effectRef idx="0">
+            <a:schemeClr val="accent1"/>
+          </a:effectRef>
+          <a:fontRef idx="minor">
+            <a:schemeClr val="tx1"/>
+          </a:fontRef>
+        </p:style>
+      </p:cxnSp>
+      <p:sp>
+        <p:nvSpPr>
+          <p:cNvPr id="3" name="Arrow: U-Turn 2">
+            <a:extLst>
+              <a:ext uri="{FF2B5EF4-FFF2-40B4-BE49-F238E27FC236}">
+                <a16:creationId xmlns:a16="http://schemas.microsoft.com/office/drawing/2014/main" id="{FEE6D274-333E-4DCD-A2F0-80BC88C56E0C}"/>
+              </a:ext>
+            </a:extLst>
+          </p:cNvPr>
+          <p:cNvSpPr/>
+          <p:nvPr/>
+        </p:nvSpPr>
+        <p:spPr>
+          <a:xfrm rot="10800000">
+            <a:off x="2322414" y="3362240"/>
+            <a:ext cx="4183583" cy="1306863"/>
+          </a:xfrm>
+          <a:custGeom>
+            <a:avLst/>
+            <a:gdLst>
+              <a:gd name="connsiteX0" fmla="*/ 0 w 4163352"/>
+              <a:gd name="connsiteY0" fmla="*/ 477430 h 477430"/>
+              <a:gd name="connsiteX1" fmla="*/ 0 w 4163352"/>
+              <a:gd name="connsiteY1" fmla="*/ 238715 h 477430"/>
+              <a:gd name="connsiteX2" fmla="*/ 238715 w 4163352"/>
+              <a:gd name="connsiteY2" fmla="*/ 0 h 477430"/>
+              <a:gd name="connsiteX3" fmla="*/ 3893279 w 4163352"/>
+              <a:gd name="connsiteY3" fmla="*/ 0 h 477430"/>
+              <a:gd name="connsiteX4" fmla="*/ 4131994 w 4163352"/>
+              <a:gd name="connsiteY4" fmla="*/ 238715 h 477430"/>
+              <a:gd name="connsiteX5" fmla="*/ 4131994 w 4163352"/>
+              <a:gd name="connsiteY5" fmla="*/ 258948 h 477430"/>
+              <a:gd name="connsiteX6" fmla="*/ 4163352 w 4163352"/>
+              <a:gd name="connsiteY6" fmla="*/ 258948 h 477430"/>
+              <a:gd name="connsiteX7" fmla="*/ 4043995 w 4163352"/>
+              <a:gd name="connsiteY7" fmla="*/ 382350 h 477430"/>
+              <a:gd name="connsiteX8" fmla="*/ 3924637 w 4163352"/>
+              <a:gd name="connsiteY8" fmla="*/ 258948 h 477430"/>
+              <a:gd name="connsiteX9" fmla="*/ 3955995 w 4163352"/>
+              <a:gd name="connsiteY9" fmla="*/ 258948 h 477430"/>
+              <a:gd name="connsiteX10" fmla="*/ 3955995 w 4163352"/>
+              <a:gd name="connsiteY10" fmla="*/ 238715 h 477430"/>
+              <a:gd name="connsiteX11" fmla="*/ 3893280 w 4163352"/>
+              <a:gd name="connsiteY11" fmla="*/ 176000 h 477430"/>
+              <a:gd name="connsiteX12" fmla="*/ 238715 w 4163352"/>
+              <a:gd name="connsiteY12" fmla="*/ 176000 h 477430"/>
+              <a:gd name="connsiteX13" fmla="*/ 176000 w 4163352"/>
+              <a:gd name="connsiteY13" fmla="*/ 238715 h 477430"/>
+              <a:gd name="connsiteX14" fmla="*/ 176000 w 4163352"/>
+              <a:gd name="connsiteY14" fmla="*/ 477430 h 477430"/>
+              <a:gd name="connsiteX15" fmla="*/ 0 w 4163352"/>
+              <a:gd name="connsiteY15" fmla="*/ 477430 h 477430"/>
+              <a:gd name="connsiteX0" fmla="*/ 0 w 4183583"/>
+              <a:gd name="connsiteY0" fmla="*/ 1306863 h 1306863"/>
+              <a:gd name="connsiteX1" fmla="*/ 20231 w 4183583"/>
+              <a:gd name="connsiteY1" fmla="*/ 238715 h 1306863"/>
+              <a:gd name="connsiteX2" fmla="*/ 258946 w 4183583"/>
+              <a:gd name="connsiteY2" fmla="*/ 0 h 1306863"/>
+              <a:gd name="connsiteX3" fmla="*/ 3913510 w 4183583"/>
+              <a:gd name="connsiteY3" fmla="*/ 0 h 1306863"/>
+              <a:gd name="connsiteX4" fmla="*/ 4152225 w 4183583"/>
+              <a:gd name="connsiteY4" fmla="*/ 238715 h 1306863"/>
+              <a:gd name="connsiteX5" fmla="*/ 4152225 w 4183583"/>
+              <a:gd name="connsiteY5" fmla="*/ 258948 h 1306863"/>
+              <a:gd name="connsiteX6" fmla="*/ 4183583 w 4183583"/>
+              <a:gd name="connsiteY6" fmla="*/ 258948 h 1306863"/>
+              <a:gd name="connsiteX7" fmla="*/ 4064226 w 4183583"/>
+              <a:gd name="connsiteY7" fmla="*/ 382350 h 1306863"/>
+              <a:gd name="connsiteX8" fmla="*/ 3944868 w 4183583"/>
+              <a:gd name="connsiteY8" fmla="*/ 258948 h 1306863"/>
+              <a:gd name="connsiteX9" fmla="*/ 3976226 w 4183583"/>
+              <a:gd name="connsiteY9" fmla="*/ 258948 h 1306863"/>
+              <a:gd name="connsiteX10" fmla="*/ 3976226 w 4183583"/>
+              <a:gd name="connsiteY10" fmla="*/ 238715 h 1306863"/>
+              <a:gd name="connsiteX11" fmla="*/ 3913511 w 4183583"/>
+              <a:gd name="connsiteY11" fmla="*/ 176000 h 1306863"/>
+              <a:gd name="connsiteX12" fmla="*/ 258946 w 4183583"/>
+              <a:gd name="connsiteY12" fmla="*/ 176000 h 1306863"/>
+              <a:gd name="connsiteX13" fmla="*/ 196231 w 4183583"/>
+              <a:gd name="connsiteY13" fmla="*/ 238715 h 1306863"/>
+              <a:gd name="connsiteX14" fmla="*/ 196231 w 4183583"/>
+              <a:gd name="connsiteY14" fmla="*/ 477430 h 1306863"/>
+              <a:gd name="connsiteX15" fmla="*/ 0 w 4183583"/>
+              <a:gd name="connsiteY15" fmla="*/ 1306863 h 1306863"/>
+              <a:gd name="connsiteX0" fmla="*/ 0 w 4183583"/>
+              <a:gd name="connsiteY0" fmla="*/ 1306863 h 1306863"/>
+              <a:gd name="connsiteX1" fmla="*/ 20231 w 4183583"/>
+              <a:gd name="connsiteY1" fmla="*/ 238715 h 1306863"/>
+              <a:gd name="connsiteX2" fmla="*/ 258946 w 4183583"/>
+              <a:gd name="connsiteY2" fmla="*/ 0 h 1306863"/>
+              <a:gd name="connsiteX3" fmla="*/ 3913510 w 4183583"/>
+              <a:gd name="connsiteY3" fmla="*/ 0 h 1306863"/>
+              <a:gd name="connsiteX4" fmla="*/ 4152225 w 4183583"/>
+              <a:gd name="connsiteY4" fmla="*/ 238715 h 1306863"/>
+              <a:gd name="connsiteX5" fmla="*/ 4152225 w 4183583"/>
+              <a:gd name="connsiteY5" fmla="*/ 258948 h 1306863"/>
+              <a:gd name="connsiteX6" fmla="*/ 4183583 w 4183583"/>
+              <a:gd name="connsiteY6" fmla="*/ 258948 h 1306863"/>
+              <a:gd name="connsiteX7" fmla="*/ 4064226 w 4183583"/>
+              <a:gd name="connsiteY7" fmla="*/ 382350 h 1306863"/>
+              <a:gd name="connsiteX8" fmla="*/ 3944868 w 4183583"/>
+              <a:gd name="connsiteY8" fmla="*/ 258948 h 1306863"/>
+              <a:gd name="connsiteX9" fmla="*/ 3976226 w 4183583"/>
+              <a:gd name="connsiteY9" fmla="*/ 258948 h 1306863"/>
+              <a:gd name="connsiteX10" fmla="*/ 3976226 w 4183583"/>
+              <a:gd name="connsiteY10" fmla="*/ 238715 h 1306863"/>
+              <a:gd name="connsiteX11" fmla="*/ 3913511 w 4183583"/>
+              <a:gd name="connsiteY11" fmla="*/ 176000 h 1306863"/>
+              <a:gd name="connsiteX12" fmla="*/ 258946 w 4183583"/>
+              <a:gd name="connsiteY12" fmla="*/ 176000 h 1306863"/>
+              <a:gd name="connsiteX13" fmla="*/ 196231 w 4183583"/>
+              <a:gd name="connsiteY13" fmla="*/ 238715 h 1306863"/>
+              <a:gd name="connsiteX14" fmla="*/ 167908 w 4183583"/>
+              <a:gd name="connsiteY14" fmla="*/ 1286633 h 1306863"/>
+              <a:gd name="connsiteX15" fmla="*/ 0 w 4183583"/>
+              <a:gd name="connsiteY15" fmla="*/ 1306863 h 1306863"/>
+            </a:gdLst>
+            <a:ahLst/>
+            <a:cxnLst>
+              <a:cxn ang="0">
+                <a:pos x="connsiteX0" y="connsiteY0"/>
+              </a:cxn>
+              <a:cxn ang="0">
+                <a:pos x="connsiteX1" y="connsiteY1"/>
+              </a:cxn>
+              <a:cxn ang="0">
+                <a:pos x="connsiteX2" y="connsiteY2"/>
+              </a:cxn>
+              <a:cxn ang="0">
+                <a:pos x="connsiteX3" y="connsiteY3"/>
+              </a:cxn>
+              <a:cxn ang="0">
+                <a:pos x="connsiteX4" y="connsiteY4"/>
+              </a:cxn>
+              <a:cxn ang="0">
+                <a:pos x="connsiteX5" y="connsiteY5"/>
+              </a:cxn>
+              <a:cxn ang="0">
+                <a:pos x="connsiteX6" y="connsiteY6"/>
+              </a:cxn>
+              <a:cxn ang="0">
+                <a:pos x="connsiteX7" y="connsiteY7"/>
+              </a:cxn>
+              <a:cxn ang="0">
+                <a:pos x="connsiteX8" y="connsiteY8"/>
+              </a:cxn>
+              <a:cxn ang="0">
+                <a:pos x="connsiteX9" y="connsiteY9"/>
+              </a:cxn>
+              <a:cxn ang="0">
+                <a:pos x="connsiteX10" y="connsiteY10"/>
+              </a:cxn>
+              <a:cxn ang="0">
+                <a:pos x="connsiteX11" y="connsiteY11"/>
+              </a:cxn>
+              <a:cxn ang="0">
+                <a:pos x="connsiteX12" y="connsiteY12"/>
+              </a:cxn>
+              <a:cxn ang="0">
+                <a:pos x="connsiteX13" y="connsiteY13"/>
+              </a:cxn>
+              <a:cxn ang="0">
+                <a:pos x="connsiteX14" y="connsiteY14"/>
+              </a:cxn>
+              <a:cxn ang="0">
+                <a:pos x="connsiteX15" y="connsiteY15"/>
+              </a:cxn>
+            </a:cxnLst>
+            <a:rect l="l" t="t" r="r" b="b"/>
+            <a:pathLst>
+              <a:path w="4183583" h="1306863">
+                <a:moveTo>
+                  <a:pt x="0" y="1306863"/>
+                </a:moveTo>
+                <a:cubicBezTo>
+                  <a:pt x="0" y="1227291"/>
+                  <a:pt x="20231" y="318287"/>
+                  <a:pt x="20231" y="238715"/>
+                </a:cubicBezTo>
+                <a:cubicBezTo>
+                  <a:pt x="20231" y="106876"/>
+                  <a:pt x="127107" y="0"/>
+                  <a:pt x="258946" y="0"/>
+                </a:cubicBezTo>
+                <a:lnTo>
+                  <a:pt x="3913510" y="0"/>
+                </a:lnTo>
+                <a:cubicBezTo>
+                  <a:pt x="4045349" y="0"/>
+                  <a:pt x="4152225" y="106876"/>
+                  <a:pt x="4152225" y="238715"/>
+                </a:cubicBezTo>
+                <a:lnTo>
+                  <a:pt x="4152225" y="258948"/>
+                </a:lnTo>
+                <a:lnTo>
+                  <a:pt x="4183583" y="258948"/>
+                </a:lnTo>
+                <a:lnTo>
+                  <a:pt x="4064226" y="382350"/>
+                </a:lnTo>
+                <a:lnTo>
+                  <a:pt x="3944868" y="258948"/>
+                </a:lnTo>
+                <a:lnTo>
+                  <a:pt x="3976226" y="258948"/>
+                </a:lnTo>
+                <a:lnTo>
+                  <a:pt x="3976226" y="238715"/>
+                </a:lnTo>
+                <a:cubicBezTo>
+                  <a:pt x="3976226" y="204078"/>
+                  <a:pt x="3948148" y="176000"/>
+                  <a:pt x="3913511" y="176000"/>
+                </a:cubicBezTo>
+                <a:lnTo>
+                  <a:pt x="258946" y="176000"/>
+                </a:lnTo>
+                <a:cubicBezTo>
+                  <a:pt x="224309" y="176000"/>
+                  <a:pt x="196231" y="204078"/>
+                  <a:pt x="196231" y="238715"/>
+                </a:cubicBezTo>
+                <a:lnTo>
+                  <a:pt x="167908" y="1286633"/>
+                </a:lnTo>
+                <a:lnTo>
+                  <a:pt x="0" y="1306863"/>
+                </a:lnTo>
+                <a:close/>
+              </a:path>
+            </a:pathLst>
+          </a:custGeom>
+        </p:spPr>
+        <p:style>
+          <a:lnRef idx="3">
+            <a:schemeClr val="lt1"/>
+          </a:lnRef>
+          <a:fillRef idx="1">
+            <a:schemeClr val="accent6"/>
+          </a:fillRef>
+          <a:effectRef idx="1">
+            <a:schemeClr val="accent6"/>
+          </a:effectRef>
+          <a:fontRef idx="minor">
+            <a:schemeClr val="lt1"/>
+          </a:fontRef>
+        </p:style>
+        <p:txBody>
+          <a:bodyPr rtlCol="0" anchor="ctr"/>
+          <a:lstStyle/>
+          <a:p>
+            <a:pPr algn="ctr"/>
+            <a:endParaRPr lang="en-US" dirty="0">
+              <a:solidFill>
+                <a:schemeClr val="tx1"/>
+              </a:solidFill>
+            </a:endParaRPr>
+          </a:p>
+        </p:txBody>
+      </p:sp>
+    </p:spTree>
+    <p:extLst>
+      <p:ext uri="{BB962C8B-B14F-4D97-AF65-F5344CB8AC3E}">
+        <p14:creationId xmlns:p14="http://schemas.microsoft.com/office/powerpoint/2010/main" val="3382082529"/>
+      </p:ext>
+    </p:extLst>
+  </p:cSld>
+  <p:clrMapOvr>
+    <a:masterClrMapping/>
+  </p:clrMapOvr>
+</p:sld>
+</file>
+
+<file path=ppt/slides/slide19.xml><?xml version="1.0" encoding="utf-8"?>
+<p:sld xmlns:a="http://schemas.openxmlformats.org/drawingml/2006/main" xmlns:r="http://schemas.openxmlformats.org/officeDocument/2006/relationships" xmlns:p="http://schemas.openxmlformats.org/presentationml/2006/main">
+  <p:cSld>
+    <p:spTree>
+      <p:nvGrpSpPr>
+        <p:cNvPr id="1" name=""/>
+        <p:cNvGrpSpPr/>
+        <p:nvPr/>
+      </p:nvGrpSpPr>
+      <p:grpSpPr>
+        <a:xfrm>
+          <a:off x="0" y="0"/>
+          <a:ext cx="0" cy="0"/>
+          <a:chOff x="0" y="0"/>
+          <a:chExt cx="0" cy="0"/>
+        </a:xfrm>
+      </p:grpSpPr>
+      <p:sp>
+        <p:nvSpPr>
+          <p:cNvPr id="2" name="Title 1">
+            <a:extLst>
+              <a:ext uri="{FF2B5EF4-FFF2-40B4-BE49-F238E27FC236}">
+                <a16:creationId xmlns:a16="http://schemas.microsoft.com/office/drawing/2014/main" id="{8387FB99-1136-46B4-B52B-F9328C900E0E}"/>
+              </a:ext>
+            </a:extLst>
+          </p:cNvPr>
+          <p:cNvSpPr>
+            <a:spLocks noGrp="1"/>
+          </p:cNvSpPr>
+          <p:nvPr>
+            <p:ph type="title"/>
+          </p:nvPr>
+        </p:nvSpPr>
+        <p:spPr/>
+        <p:txBody>
+          <a:bodyPr/>
+          <a:lstStyle/>
+          <a:p>
+            <a:r>
+              <a:rPr lang="es-MX" dirty="0" err="1"/>
+              <a:t>Leakage</a:t>
+            </a:r>
+            <a:endParaRPr lang="en-US" dirty="0"/>
+          </a:p>
+        </p:txBody>
+      </p:sp>
+      <p:sp>
+        <p:nvSpPr>
+          <p:cNvPr id="3" name="Text Placeholder 2">
+            <a:extLst>
+              <a:ext uri="{FF2B5EF4-FFF2-40B4-BE49-F238E27FC236}">
+                <a16:creationId xmlns:a16="http://schemas.microsoft.com/office/drawing/2014/main" id="{373C61DD-8AD2-4900-AD81-818FA37694A6}"/>
+              </a:ext>
+            </a:extLst>
+          </p:cNvPr>
+          <p:cNvSpPr>
+            <a:spLocks noGrp="1"/>
+          </p:cNvSpPr>
+          <p:nvPr>
+            <p:ph type="body" idx="1"/>
+          </p:nvPr>
+        </p:nvSpPr>
+        <p:spPr/>
+        <p:txBody>
+          <a:bodyPr/>
+          <a:lstStyle/>
+          <a:p>
+            <a:r>
+              <a:rPr lang="es-MX" dirty="0"/>
+              <a:t>Es cuando la etiqueta se ve influenciada por una de las variables.</a:t>
+            </a:r>
+          </a:p>
+          <a:p>
+            <a:r>
+              <a:rPr lang="es-MX" dirty="0"/>
+              <a:t>No tenemos acceso a esos datos en el proceso real</a:t>
+            </a:r>
+          </a:p>
+          <a:p>
+            <a:r>
+              <a:rPr lang="es-MX" dirty="0"/>
+              <a:t>Es importante entender el proceso.</a:t>
+            </a:r>
+            <a:endParaRPr lang="en-US" dirty="0"/>
+          </a:p>
+        </p:txBody>
+      </p:sp>
+      <p:sp>
+        <p:nvSpPr>
+          <p:cNvPr id="4" name="Slide Number Placeholder 3">
+            <a:extLst>
+              <a:ext uri="{FF2B5EF4-FFF2-40B4-BE49-F238E27FC236}">
+                <a16:creationId xmlns:a16="http://schemas.microsoft.com/office/drawing/2014/main" id="{FE9A11A4-9CD8-4083-A055-193AD81F027E}"/>
+              </a:ext>
+            </a:extLst>
+          </p:cNvPr>
+          <p:cNvSpPr>
+            <a:spLocks noGrp="1"/>
+          </p:cNvSpPr>
+          <p:nvPr>
+            <p:ph type="sldNum" idx="12"/>
+          </p:nvPr>
+        </p:nvSpPr>
+        <p:spPr/>
+        <p:txBody>
+          <a:bodyPr/>
+          <a:lstStyle/>
+          <a:p>
+            <a:pPr marL="0" lvl="0" indent="0">
+              <a:spcBef>
+                <a:spcPts val="0"/>
+              </a:spcBef>
+              <a:spcAft>
+                <a:spcPts val="0"/>
+              </a:spcAft>
+              <a:buNone/>
+            </a:pPr>
+            <a:fld id="{00000000-1234-1234-1234-123412341234}" type="slidenum">
+              <a:rPr lang="en" smtClean="0"/>
+              <a:t>19</a:t>
+            </a:fld>
+            <a:endParaRPr lang="en"/>
+          </a:p>
+        </p:txBody>
+      </p:sp>
+    </p:spTree>
+    <p:extLst>
+      <p:ext uri="{BB962C8B-B14F-4D97-AF65-F5344CB8AC3E}">
+        <p14:creationId xmlns:p14="http://schemas.microsoft.com/office/powerpoint/2010/main" val="1471031969"/>
       </p:ext>
     </p:extLst>
   </p:cSld>
@@ -6378,6 +7483,279 @@
         </p:txBody>
       </p:sp>
     </p:spTree>
+  </p:cSld>
+  <p:clrMapOvr>
+    <a:masterClrMapping/>
+  </p:clrMapOvr>
+</p:sld>
+</file>
+
+<file path=ppt/slides/slide20.xml><?xml version="1.0" encoding="utf-8"?>
+<p:sld xmlns:a="http://schemas.openxmlformats.org/drawingml/2006/main" xmlns:r="http://schemas.openxmlformats.org/officeDocument/2006/relationships" xmlns:p="http://schemas.openxmlformats.org/presentationml/2006/main">
+  <p:cSld>
+    <p:spTree>
+      <p:nvGrpSpPr>
+        <p:cNvPr id="1" name=""/>
+        <p:cNvGrpSpPr/>
+        <p:nvPr/>
+      </p:nvGrpSpPr>
+      <p:grpSpPr>
+        <a:xfrm>
+          <a:off x="0" y="0"/>
+          <a:ext cx="0" cy="0"/>
+          <a:chOff x="0" y="0"/>
+          <a:chExt cx="0" cy="0"/>
+        </a:xfrm>
+      </p:grpSpPr>
+      <p:sp>
+        <p:nvSpPr>
+          <p:cNvPr id="2" name="Title 1">
+            <a:extLst>
+              <a:ext uri="{FF2B5EF4-FFF2-40B4-BE49-F238E27FC236}">
+                <a16:creationId xmlns:a16="http://schemas.microsoft.com/office/drawing/2014/main" id="{4A1BA5CC-0646-4B4C-821B-87C27168C5CD}"/>
+              </a:ext>
+            </a:extLst>
+          </p:cNvPr>
+          <p:cNvSpPr>
+            <a:spLocks noGrp="1"/>
+          </p:cNvSpPr>
+          <p:nvPr>
+            <p:ph type="title"/>
+          </p:nvPr>
+        </p:nvSpPr>
+        <p:spPr/>
+        <p:txBody>
+          <a:bodyPr/>
+          <a:lstStyle/>
+          <a:p>
+            <a:r>
+              <a:rPr lang="es-MX" dirty="0" err="1"/>
+              <a:t>Missing</a:t>
+            </a:r>
+            <a:r>
+              <a:rPr lang="es-MX" dirty="0"/>
+              <a:t> Data </a:t>
+            </a:r>
+            <a:r>
+              <a:rPr lang="es-MX" dirty="0" err="1"/>
+              <a:t>Bias</a:t>
+            </a:r>
+            <a:endParaRPr lang="en-US" dirty="0"/>
+          </a:p>
+        </p:txBody>
+      </p:sp>
+      <p:sp>
+        <p:nvSpPr>
+          <p:cNvPr id="3" name="Text Placeholder 2">
+            <a:extLst>
+              <a:ext uri="{FF2B5EF4-FFF2-40B4-BE49-F238E27FC236}">
+                <a16:creationId xmlns:a16="http://schemas.microsoft.com/office/drawing/2014/main" id="{7E76B018-423E-4CDD-AE88-886D944E1AEE}"/>
+              </a:ext>
+            </a:extLst>
+          </p:cNvPr>
+          <p:cNvSpPr>
+            <a:spLocks noGrp="1"/>
+          </p:cNvSpPr>
+          <p:nvPr>
+            <p:ph type="body" idx="1"/>
+          </p:nvPr>
+        </p:nvSpPr>
+        <p:spPr>
+          <a:xfrm>
+            <a:off x="814275" y="1327350"/>
+            <a:ext cx="6132600" cy="1391574"/>
+          </a:xfrm>
+        </p:spPr>
+        <p:txBody>
+          <a:bodyPr/>
+          <a:lstStyle/>
+          <a:p>
+            <a:r>
+              <a:rPr lang="es-MX" dirty="0"/>
+              <a:t>En cuanto tiempo corres los 5Km?</a:t>
+            </a:r>
+            <a:endParaRPr lang="en-US" dirty="0"/>
+          </a:p>
+        </p:txBody>
+      </p:sp>
+      <p:sp>
+        <p:nvSpPr>
+          <p:cNvPr id="4" name="Slide Number Placeholder 3">
+            <a:extLst>
+              <a:ext uri="{FF2B5EF4-FFF2-40B4-BE49-F238E27FC236}">
+                <a16:creationId xmlns:a16="http://schemas.microsoft.com/office/drawing/2014/main" id="{B0B3DB34-92A4-412A-BFEB-497E6F09692E}"/>
+              </a:ext>
+            </a:extLst>
+          </p:cNvPr>
+          <p:cNvSpPr>
+            <a:spLocks noGrp="1"/>
+          </p:cNvSpPr>
+          <p:nvPr>
+            <p:ph type="sldNum" idx="12"/>
+          </p:nvPr>
+        </p:nvSpPr>
+        <p:spPr/>
+        <p:txBody>
+          <a:bodyPr/>
+          <a:lstStyle/>
+          <a:p>
+            <a:pPr marL="0" lvl="0" indent="0">
+              <a:spcBef>
+                <a:spcPts val="0"/>
+              </a:spcBef>
+              <a:spcAft>
+                <a:spcPts val="0"/>
+              </a:spcAft>
+              <a:buNone/>
+            </a:pPr>
+            <a:fld id="{00000000-1234-1234-1234-123412341234}" type="slidenum">
+              <a:rPr lang="en" smtClean="0"/>
+              <a:t>20</a:t>
+            </a:fld>
+            <a:endParaRPr lang="en"/>
+          </a:p>
+        </p:txBody>
+      </p:sp>
+    </p:spTree>
+    <p:extLst>
+      <p:ext uri="{BB962C8B-B14F-4D97-AF65-F5344CB8AC3E}">
+        <p14:creationId xmlns:p14="http://schemas.microsoft.com/office/powerpoint/2010/main" val="3876873689"/>
+      </p:ext>
+    </p:extLst>
+  </p:cSld>
+  <p:clrMapOvr>
+    <a:masterClrMapping/>
+  </p:clrMapOvr>
+</p:sld>
+</file>
+
+<file path=ppt/slides/slide21.xml><?xml version="1.0" encoding="utf-8"?>
+<p:sld xmlns:a="http://schemas.openxmlformats.org/drawingml/2006/main" xmlns:r="http://schemas.openxmlformats.org/officeDocument/2006/relationships" xmlns:p="http://schemas.openxmlformats.org/presentationml/2006/main">
+  <p:cSld>
+    <p:spTree>
+      <p:nvGrpSpPr>
+        <p:cNvPr id="1" name=""/>
+        <p:cNvGrpSpPr/>
+        <p:nvPr/>
+      </p:nvGrpSpPr>
+      <p:grpSpPr>
+        <a:xfrm>
+          <a:off x="0" y="0"/>
+          <a:ext cx="0" cy="0"/>
+          <a:chOff x="0" y="0"/>
+          <a:chExt cx="0" cy="0"/>
+        </a:xfrm>
+      </p:grpSpPr>
+      <p:sp>
+        <p:nvSpPr>
+          <p:cNvPr id="2" name="Title 1">
+            <a:extLst>
+              <a:ext uri="{FF2B5EF4-FFF2-40B4-BE49-F238E27FC236}">
+                <a16:creationId xmlns:a16="http://schemas.microsoft.com/office/drawing/2014/main" id="{00046E7B-4BF4-43E6-98FC-FB6BD76C1A72}"/>
+              </a:ext>
+            </a:extLst>
+          </p:cNvPr>
+          <p:cNvSpPr>
+            <a:spLocks noGrp="1"/>
+          </p:cNvSpPr>
+          <p:nvPr>
+            <p:ph type="title"/>
+          </p:nvPr>
+        </p:nvSpPr>
+        <p:spPr/>
+        <p:txBody>
+          <a:bodyPr/>
+          <a:lstStyle/>
+          <a:p>
+            <a:r>
+              <a:rPr lang="es-MX" dirty="0" err="1"/>
+              <a:t>Missing</a:t>
+            </a:r>
+            <a:r>
+              <a:rPr lang="es-MX" dirty="0"/>
+              <a:t> data </a:t>
+            </a:r>
+            <a:r>
+              <a:rPr lang="es-MX" dirty="0" err="1"/>
+              <a:t>bias</a:t>
+            </a:r>
+            <a:endParaRPr lang="en-US" dirty="0"/>
+          </a:p>
+        </p:txBody>
+      </p:sp>
+      <p:sp>
+        <p:nvSpPr>
+          <p:cNvPr id="3" name="Text Placeholder 2">
+            <a:extLst>
+              <a:ext uri="{FF2B5EF4-FFF2-40B4-BE49-F238E27FC236}">
+                <a16:creationId xmlns:a16="http://schemas.microsoft.com/office/drawing/2014/main" id="{37AB4784-3F3D-4264-B821-407700E31519}"/>
+              </a:ext>
+            </a:extLst>
+          </p:cNvPr>
+          <p:cNvSpPr>
+            <a:spLocks noGrp="1"/>
+          </p:cNvSpPr>
+          <p:nvPr>
+            <p:ph type="body" idx="1"/>
+          </p:nvPr>
+        </p:nvSpPr>
+        <p:spPr/>
+        <p:txBody>
+          <a:bodyPr/>
+          <a:lstStyle/>
+          <a:p>
+            <a:r>
+              <a:rPr lang="es-MX" dirty="0"/>
+              <a:t>Realmente no sabemos en cuanto tiempo corren los 5Km, sabemos cuanto se tardan los que SI lo corren.</a:t>
+            </a:r>
+            <a:endParaRPr lang="en-US" dirty="0"/>
+          </a:p>
+        </p:txBody>
+      </p:sp>
+      <p:sp>
+        <p:nvSpPr>
+          <p:cNvPr id="4" name="Slide Number Placeholder 3">
+            <a:extLst>
+              <a:ext uri="{FF2B5EF4-FFF2-40B4-BE49-F238E27FC236}">
+                <a16:creationId xmlns:a16="http://schemas.microsoft.com/office/drawing/2014/main" id="{89D4E755-3403-41D3-8437-4BDE1D96C775}"/>
+              </a:ext>
+            </a:extLst>
+          </p:cNvPr>
+          <p:cNvSpPr>
+            <a:spLocks noGrp="1"/>
+          </p:cNvSpPr>
+          <p:nvPr>
+            <p:ph type="sldNum" idx="12"/>
+          </p:nvPr>
+        </p:nvSpPr>
+        <p:spPr/>
+        <p:txBody>
+          <a:bodyPr/>
+          <a:lstStyle/>
+          <a:p>
+            <a:pPr marL="0" lvl="0" indent="0">
+              <a:spcBef>
+                <a:spcPts val="0"/>
+              </a:spcBef>
+              <a:spcAft>
+                <a:spcPts val="0"/>
+              </a:spcAft>
+              <a:buNone/>
+            </a:pPr>
+            <a:fld id="{00000000-1234-1234-1234-123412341234}" type="slidenum">
+              <a:rPr lang="en" smtClean="0"/>
+              <a:t>21</a:t>
+            </a:fld>
+            <a:endParaRPr lang="en"/>
+          </a:p>
+        </p:txBody>
+      </p:sp>
+    </p:spTree>
+    <p:extLst>
+      <p:ext uri="{BB962C8B-B14F-4D97-AF65-F5344CB8AC3E}">
+        <p14:creationId xmlns:p14="http://schemas.microsoft.com/office/powerpoint/2010/main" val="2152899216"/>
+      </p:ext>
+    </p:extLst>
   </p:cSld>
   <p:clrMapOvr>
     <a:masterClrMapping/>
@@ -7067,8 +8445,8 @@
           </a:p>
         </p:txBody>
       </p:sp>
-      <mc:AlternateContent xmlns:mc="http://schemas.openxmlformats.org/markup-compatibility/2006">
-        <mc:Choice xmlns:a14="http://schemas.microsoft.com/office/drawing/2010/main" Requires="a14">
+      <mc:AlternateContent xmlns:mc="http://schemas.openxmlformats.org/markup-compatibility/2006" xmlns:a14="http://schemas.microsoft.com/office/drawing/2010/main">
+        <mc:Choice Requires="a14">
           <p:sp>
             <p:nvSpPr>
               <p:cNvPr id="5" name="Marcador de texto 4"/>
@@ -7304,7 +8682,7 @@
             </p:txBody>
           </p:sp>
         </mc:Choice>
-        <mc:Fallback>
+        <mc:Fallback xmlns="">
           <p:sp>
             <p:nvSpPr>
               <p:cNvPr id="5" name="Marcador de texto 4"/>
